--- a/slides/week10/proyecto_digital1 - 2020-1.pptx
+++ b/slides/week10/proyecto_digital1 - 2020-1.pptx
@@ -254,7 +254,7 @@
           <a:p>
             <a:fld id="{EBAAB411-73CF-427C-AA1C-E31A425B37A8}" type="datetimeFigureOut">
               <a:rPr lang="es-CO" smtClean="0"/>
-              <a:t>10/05/2020</a:t>
+              <a:t>13/05/2020</a:t>
             </a:fld>
             <a:endParaRPr lang="es-CO"/>
           </a:p>
@@ -424,7 +424,7 @@
           <a:p>
             <a:fld id="{EBAAB411-73CF-427C-AA1C-E31A425B37A8}" type="datetimeFigureOut">
               <a:rPr lang="es-CO" smtClean="0"/>
-              <a:t>10/05/2020</a:t>
+              <a:t>13/05/2020</a:t>
             </a:fld>
             <a:endParaRPr lang="es-CO"/>
           </a:p>
@@ -604,7 +604,7 @@
           <a:p>
             <a:fld id="{EBAAB411-73CF-427C-AA1C-E31A425B37A8}" type="datetimeFigureOut">
               <a:rPr lang="es-CO" smtClean="0"/>
-              <a:t>10/05/2020</a:t>
+              <a:t>13/05/2020</a:t>
             </a:fld>
             <a:endParaRPr lang="es-CO"/>
           </a:p>
@@ -774,7 +774,7 @@
           <a:p>
             <a:fld id="{EBAAB411-73CF-427C-AA1C-E31A425B37A8}" type="datetimeFigureOut">
               <a:rPr lang="es-CO" smtClean="0"/>
-              <a:t>10/05/2020</a:t>
+              <a:t>13/05/2020</a:t>
             </a:fld>
             <a:endParaRPr lang="es-CO"/>
           </a:p>
@@ -1020,7 +1020,7 @@
           <a:p>
             <a:fld id="{EBAAB411-73CF-427C-AA1C-E31A425B37A8}" type="datetimeFigureOut">
               <a:rPr lang="es-CO" smtClean="0"/>
-              <a:t>10/05/2020</a:t>
+              <a:t>13/05/2020</a:t>
             </a:fld>
             <a:endParaRPr lang="es-CO"/>
           </a:p>
@@ -1252,7 +1252,7 @@
           <a:p>
             <a:fld id="{EBAAB411-73CF-427C-AA1C-E31A425B37A8}" type="datetimeFigureOut">
               <a:rPr lang="es-CO" smtClean="0"/>
-              <a:t>10/05/2020</a:t>
+              <a:t>13/05/2020</a:t>
             </a:fld>
             <a:endParaRPr lang="es-CO"/>
           </a:p>
@@ -1619,7 +1619,7 @@
           <a:p>
             <a:fld id="{EBAAB411-73CF-427C-AA1C-E31A425B37A8}" type="datetimeFigureOut">
               <a:rPr lang="es-CO" smtClean="0"/>
-              <a:t>10/05/2020</a:t>
+              <a:t>13/05/2020</a:t>
             </a:fld>
             <a:endParaRPr lang="es-CO"/>
           </a:p>
@@ -1737,7 +1737,7 @@
           <a:p>
             <a:fld id="{EBAAB411-73CF-427C-AA1C-E31A425B37A8}" type="datetimeFigureOut">
               <a:rPr lang="es-CO" smtClean="0"/>
-              <a:t>10/05/2020</a:t>
+              <a:t>13/05/2020</a:t>
             </a:fld>
             <a:endParaRPr lang="es-CO"/>
           </a:p>
@@ -1832,7 +1832,7 @@
           <a:p>
             <a:fld id="{EBAAB411-73CF-427C-AA1C-E31A425B37A8}" type="datetimeFigureOut">
               <a:rPr lang="es-CO" smtClean="0"/>
-              <a:t>10/05/2020</a:t>
+              <a:t>13/05/2020</a:t>
             </a:fld>
             <a:endParaRPr lang="es-CO"/>
           </a:p>
@@ -2109,7 +2109,7 @@
           <a:p>
             <a:fld id="{EBAAB411-73CF-427C-AA1C-E31A425B37A8}" type="datetimeFigureOut">
               <a:rPr lang="es-CO" smtClean="0"/>
-              <a:t>10/05/2020</a:t>
+              <a:t>13/05/2020</a:t>
             </a:fld>
             <a:endParaRPr lang="es-CO"/>
           </a:p>
@@ -2362,7 +2362,7 @@
           <a:p>
             <a:fld id="{EBAAB411-73CF-427C-AA1C-E31A425B37A8}" type="datetimeFigureOut">
               <a:rPr lang="es-CO" smtClean="0"/>
-              <a:t>10/05/2020</a:t>
+              <a:t>13/05/2020</a:t>
             </a:fld>
             <a:endParaRPr lang="es-CO"/>
           </a:p>
@@ -2575,7 +2575,7 @@
           <a:p>
             <a:fld id="{EBAAB411-73CF-427C-AA1C-E31A425B37A8}" type="datetimeFigureOut">
               <a:rPr lang="es-CO" smtClean="0"/>
-              <a:t>10/05/2020</a:t>
+              <a:t>13/05/2020</a:t>
             </a:fld>
             <a:endParaRPr lang="es-CO"/>
           </a:p>
@@ -3331,11 +3331,7 @@
           <a:p>
             <a:r>
               <a:rPr lang="es-CO" dirty="0" smtClean="0"/>
-              <a:t>Proyecto cámara </a:t>
-            </a:r>
-            <a:r>
-              <a:rPr lang="es-CO" dirty="0" smtClean="0"/>
-              <a:t>térmica </a:t>
+              <a:t>Proyecto cámara térmica </a:t>
             </a:r>
             <a:endParaRPr lang="es-CO" dirty="0"/>
           </a:p>
@@ -3414,37 +3410,7 @@
                 <a:effectLst/>
                 <a:latin typeface="arial" panose="020B0604020202020204" pitchFamily="34" charset="0"/>
               </a:rPr>
-              <a:t>para capturar cuadros de </a:t>
-            </a:r>
-            <a:r>
-              <a:rPr lang="es-CO" b="0" i="0" dirty="0" smtClean="0">
-                <a:solidFill>
-                  <a:srgbClr val="222222"/>
-                </a:solidFill>
-                <a:effectLst/>
-                <a:latin typeface="arial" panose="020B0604020202020204" pitchFamily="34" charset="0"/>
-              </a:rPr>
-              <a:t>térmicos </a:t>
-            </a:r>
-            <a:r>
-              <a:rPr lang="es-CO" b="0" i="0" dirty="0" smtClean="0">
-                <a:solidFill>
-                  <a:srgbClr val="222222"/>
-                </a:solidFill>
-                <a:effectLst/>
-                <a:latin typeface="arial" panose="020B0604020202020204" pitchFamily="34" charset="0"/>
-              </a:rPr>
-              <a:t>que se visualice en </a:t>
-            </a:r>
-            <a:r>
-              <a:rPr lang="es-CO" b="0" i="0" dirty="0" smtClean="0">
-                <a:solidFill>
-                  <a:srgbClr val="222222"/>
-                </a:solidFill>
-                <a:effectLst/>
-                <a:latin typeface="arial" panose="020B0604020202020204" pitchFamily="34" charset="0"/>
-              </a:rPr>
-              <a:t>VGA</a:t>
+              <a:t>para capturar cuadros de térmicos que se visualice en VGA</a:t>
             </a:r>
             <a:endParaRPr lang="es-CO" dirty="0"/>
           </a:p>
@@ -3804,11 +3770,7 @@
           <a:p>
             <a:r>
               <a:rPr lang="es-CO" dirty="0" smtClean="0"/>
-              <a:t>I2C </a:t>
-            </a:r>
-            <a:r>
-              <a:rPr lang="es-CO" dirty="0" smtClean="0"/>
-              <a:t>master</a:t>
+              <a:t>I2C master</a:t>
             </a:r>
             <a:endParaRPr lang="es-CO" dirty="0"/>
           </a:p>
@@ -3889,15 +3851,7 @@
                   <a:schemeClr val="tx1"/>
                 </a:solidFill>
               </a:rPr>
-              <a:t>Controlador </a:t>
-            </a:r>
-            <a:r>
-              <a:rPr lang="es-CO" dirty="0" smtClean="0">
-                <a:solidFill>
-                  <a:schemeClr val="tx1"/>
-                </a:solidFill>
-              </a:rPr>
-              <a:t>SPI</a:t>
+              <a:t>Controlador SPI</a:t>
             </a:r>
             <a:endParaRPr lang="es-CO" dirty="0">
               <a:solidFill>
@@ -4038,14 +3992,12 @@
               <a:rPr lang="es-CO" dirty="0" smtClean="0"/>
               <a:t>SDA</a:t>
             </a:r>
-            <a:endParaRPr lang="es-CO" dirty="0" smtClean="0"/>
           </a:p>
           <a:p>
             <a:r>
               <a:rPr lang="es-CO" dirty="0" smtClean="0"/>
               <a:t>SCL</a:t>
             </a:r>
-            <a:endParaRPr lang="es-CO" dirty="0" smtClean="0"/>
           </a:p>
         </p:txBody>
       </p:sp>
@@ -10020,11 +9972,7 @@
           <a:p>
             <a:r>
               <a:rPr lang="es-CO" b="1" dirty="0" smtClean="0"/>
-              <a:t>Semana </a:t>
-            </a:r>
-            <a:r>
-              <a:rPr lang="es-CO" b="1" dirty="0" smtClean="0"/>
-              <a:t>6: </a:t>
+              <a:t>Semana 6: </a:t>
             </a:r>
             <a:r>
               <a:rPr lang="es-CO" dirty="0"/>
@@ -10169,15 +10117,7 @@
                   <a:schemeClr val="tx1"/>
                 </a:solidFill>
               </a:rPr>
-              <a:t>Captura de </a:t>
-            </a:r>
-            <a:r>
-              <a:rPr lang="es-CO" dirty="0" smtClean="0">
-                <a:solidFill>
-                  <a:schemeClr val="tx1"/>
-                </a:solidFill>
-              </a:rPr>
-              <a:t>datos</a:t>
+              <a:t>Captura de datos</a:t>
             </a:r>
             <a:endParaRPr lang="es-CO" dirty="0">
               <a:solidFill>
@@ -16024,7 +15964,15 @@
                   <a:schemeClr val="tx1"/>
                 </a:solidFill>
               </a:rPr>
-              <a:t>RGB332 to RGB444</a:t>
+              <a:t>RGB888 to </a:t>
+            </a:r>
+            <a:r>
+              <a:rPr lang="es-CO" sz="1200" dirty="0" smtClean="0">
+                <a:solidFill>
+                  <a:schemeClr val="tx1"/>
+                </a:solidFill>
+              </a:rPr>
+              <a:t>RGB444</a:t>
             </a:r>
           </a:p>
         </p:txBody>
